--- a/micro-bit-workshop.pptx
+++ b/micro-bit-workshop.pptx
@@ -115,6 +115,11 @@
       </a:defRPr>
     </a:lvl9pPr>
   </p:defaultTextStyle>
+  <p:extLst>
+    <p:ext uri="{EFAFB233-063F-42B5-8137-9DF3F51BA10A}">
+      <p15:sldGuideLst xmlns:p15="http://schemas.microsoft.com/office/powerpoint/2012/main"/>
+    </p:ext>
+  </p:extLst>
 </p:presentation>
 </file>
 
@@ -200,7 +205,7 @@
           <a:p>
             <a:fld id="{7765F29E-FC16-4FA8-9E6F-2AB205AC0281}" type="datetimeFigureOut">
               <a:rPr lang="en-US" smtClean="0"/>
-              <a:t>1/25/2018</a:t>
+              <a:t>2/8/2018</a:t>
             </a:fld>
             <a:endParaRPr lang="en-US"/>
           </a:p>
@@ -1892,7 +1897,7 @@
           <a:p>
             <a:fld id="{A8844AD2-AD36-43B5-BCE1-34B56CA3CB43}" type="datetimeFigureOut">
               <a:rPr lang="en-US" smtClean="0"/>
-              <a:t>1/25/2018</a:t>
+              <a:t>2/8/2018</a:t>
             </a:fld>
             <a:endParaRPr lang="en-US"/>
           </a:p>
@@ -2060,7 +2065,7 @@
           <a:p>
             <a:fld id="{A8844AD2-AD36-43B5-BCE1-34B56CA3CB43}" type="datetimeFigureOut">
               <a:rPr lang="en-US" smtClean="0"/>
-              <a:t>1/25/2018</a:t>
+              <a:t>2/8/2018</a:t>
             </a:fld>
             <a:endParaRPr lang="en-US"/>
           </a:p>
@@ -2238,7 +2243,7 @@
           <a:p>
             <a:fld id="{A8844AD2-AD36-43B5-BCE1-34B56CA3CB43}" type="datetimeFigureOut">
               <a:rPr lang="en-US" smtClean="0"/>
-              <a:t>1/25/2018</a:t>
+              <a:t>2/8/2018</a:t>
             </a:fld>
             <a:endParaRPr lang="en-US"/>
           </a:p>
@@ -2639,7 +2644,7 @@
           <a:p>
             <a:fld id="{A8844AD2-AD36-43B5-BCE1-34B56CA3CB43}" type="datetimeFigureOut">
               <a:rPr lang="en-US" smtClean="0"/>
-              <a:t>1/25/2018</a:t>
+              <a:t>2/8/2018</a:t>
             </a:fld>
             <a:endParaRPr lang="en-US"/>
           </a:p>
@@ -2884,7 +2889,7 @@
           <a:p>
             <a:fld id="{A8844AD2-AD36-43B5-BCE1-34B56CA3CB43}" type="datetimeFigureOut">
               <a:rPr lang="en-US" smtClean="0"/>
-              <a:t>1/25/2018</a:t>
+              <a:t>2/8/2018</a:t>
             </a:fld>
             <a:endParaRPr lang="en-US"/>
           </a:p>
@@ -3113,7 +3118,7 @@
           <a:p>
             <a:fld id="{A8844AD2-AD36-43B5-BCE1-34B56CA3CB43}" type="datetimeFigureOut">
               <a:rPr lang="en-US" smtClean="0"/>
-              <a:t>1/25/2018</a:t>
+              <a:t>2/8/2018</a:t>
             </a:fld>
             <a:endParaRPr lang="en-US"/>
           </a:p>
@@ -3477,7 +3482,7 @@
           <a:p>
             <a:fld id="{A8844AD2-AD36-43B5-BCE1-34B56CA3CB43}" type="datetimeFigureOut">
               <a:rPr lang="en-US" smtClean="0"/>
-              <a:t>1/25/2018</a:t>
+              <a:t>2/8/2018</a:t>
             </a:fld>
             <a:endParaRPr lang="en-US"/>
           </a:p>
@@ -3594,7 +3599,7 @@
           <a:p>
             <a:fld id="{A8844AD2-AD36-43B5-BCE1-34B56CA3CB43}" type="datetimeFigureOut">
               <a:rPr lang="en-US" smtClean="0"/>
-              <a:t>1/25/2018</a:t>
+              <a:t>2/8/2018</a:t>
             </a:fld>
             <a:endParaRPr lang="en-US"/>
           </a:p>
@@ -3689,7 +3694,7 @@
           <a:p>
             <a:fld id="{A8844AD2-AD36-43B5-BCE1-34B56CA3CB43}" type="datetimeFigureOut">
               <a:rPr lang="en-US" smtClean="0"/>
-              <a:t>1/25/2018</a:t>
+              <a:t>2/8/2018</a:t>
             </a:fld>
             <a:endParaRPr lang="en-US"/>
           </a:p>
@@ -3964,7 +3969,7 @@
           <a:p>
             <a:fld id="{A8844AD2-AD36-43B5-BCE1-34B56CA3CB43}" type="datetimeFigureOut">
               <a:rPr lang="en-US" smtClean="0"/>
-              <a:t>1/25/2018</a:t>
+              <a:t>2/8/2018</a:t>
             </a:fld>
             <a:endParaRPr lang="en-US"/>
           </a:p>
@@ -4216,7 +4221,7 @@
           <a:p>
             <a:fld id="{A8844AD2-AD36-43B5-BCE1-34B56CA3CB43}" type="datetimeFigureOut">
               <a:rPr lang="en-US" smtClean="0"/>
-              <a:t>1/25/2018</a:t>
+              <a:t>2/8/2018</a:t>
             </a:fld>
             <a:endParaRPr lang="en-US"/>
           </a:p>
@@ -4427,7 +4432,7 @@
           <a:p>
             <a:fld id="{A8844AD2-AD36-43B5-BCE1-34B56CA3CB43}" type="datetimeFigureOut">
               <a:rPr lang="en-US" smtClean="0"/>
-              <a:t>1/25/2018</a:t>
+              <a:t>2/8/2018</a:t>
             </a:fld>
             <a:endParaRPr lang="en-US"/>
           </a:p>
@@ -7372,7 +7377,7 @@
         </p:nvSpPr>
         <p:spPr>
           <a:xfrm>
-            <a:off x="6587613" y="1457594"/>
+            <a:off x="6104260" y="1437473"/>
             <a:ext cx="1485870" cy="612648"/>
           </a:xfrm>
           <a:prstGeom prst="borderCallout1">
@@ -7498,6 +7503,58 @@
             <a:r>
               <a:rPr lang="en-US" dirty="0"/>
               <a:t>Connection pins</a:t>
+            </a:r>
+          </a:p>
+        </p:txBody>
+      </p:sp>
+      <p:sp>
+        <p:nvSpPr>
+          <p:cNvPr id="23" name="Callout: Line 22">
+            <a:extLst>
+              <a:ext uri="{FF2B5EF4-FFF2-40B4-BE49-F238E27FC236}">
+                <a16:creationId xmlns:a16="http://schemas.microsoft.com/office/drawing/2014/main" id="{E65E1C4D-0F48-4E2B-BA25-665964D61F55}"/>
+              </a:ext>
+            </a:extLst>
+          </p:cNvPr>
+          <p:cNvSpPr/>
+          <p:nvPr/>
+        </p:nvSpPr>
+        <p:spPr>
+          <a:xfrm flipH="1">
+            <a:off x="1042143" y="1141745"/>
+            <a:ext cx="1456760" cy="612648"/>
+          </a:xfrm>
+          <a:prstGeom prst="borderCallout1">
+            <a:avLst>
+              <a:gd name="adj1" fmla="val 47638"/>
+              <a:gd name="adj2" fmla="val -2933"/>
+              <a:gd name="adj3" fmla="val 286997"/>
+              <a:gd name="adj4" fmla="val -53427"/>
+            </a:avLst>
+          </a:prstGeom>
+        </p:spPr>
+        <p:style>
+          <a:lnRef idx="3">
+            <a:schemeClr val="lt1"/>
+          </a:lnRef>
+          <a:fillRef idx="1">
+            <a:schemeClr val="accent2"/>
+          </a:fillRef>
+          <a:effectRef idx="1">
+            <a:schemeClr val="accent2"/>
+          </a:effectRef>
+          <a:fontRef idx="minor">
+            <a:schemeClr val="lt1"/>
+          </a:fontRef>
+        </p:style>
+        <p:txBody>
+          <a:bodyPr rtlCol="0" anchor="ctr"/>
+          <a:lstStyle/>
+          <a:p>
+            <a:pPr algn="ctr"/>
+            <a:r>
+              <a:rPr lang="en-US" dirty="0"/>
+              <a:t>Light Sensor</a:t>
             </a:r>
           </a:p>
         </p:txBody>
@@ -7804,7 +7861,7 @@
                                           </p:stCondLst>
                                         </p:cTn>
                                         <p:tgtEl>
-                                          <p:spTgt spid="14"/>
+                                          <p:spTgt spid="23"/>
                                         </p:tgtEl>
                                         <p:attrNameLst>
                                           <p:attrName>style.visibility</p:attrName>
@@ -7818,6 +7875,94 @@
                                       <p:cBhvr>
                                         <p:cTn id="29" dur="500"/>
                                         <p:tgtEl>
+                                          <p:spTgt spid="23"/>
+                                        </p:tgtEl>
+                                      </p:cBhvr>
+                                    </p:animEffect>
+                                  </p:childTnLst>
+                                </p:cTn>
+                              </p:par>
+                            </p:childTnLst>
+                          </p:cTn>
+                        </p:par>
+                      </p:childTnLst>
+                    </p:cTn>
+                  </p:par>
+                  <p:par>
+                    <p:cTn id="30" fill="hold">
+                      <p:stCondLst>
+                        <p:cond delay="indefinite"/>
+                      </p:stCondLst>
+                      <p:childTnLst>
+                        <p:par>
+                          <p:cTn id="31" fill="hold">
+                            <p:stCondLst>
+                              <p:cond delay="0"/>
+                            </p:stCondLst>
+                            <p:childTnLst>
+                              <p:par>
+                                <p:cTn id="32" presetID="10" presetClass="exit" presetSubtype="0" fill="hold" grpId="1" nodeType="clickEffect">
+                                  <p:stCondLst>
+                                    <p:cond delay="0"/>
+                                  </p:stCondLst>
+                                  <p:childTnLst>
+                                    <p:animEffect transition="out" filter="fade">
+                                      <p:cBhvr>
+                                        <p:cTn id="33" dur="500"/>
+                                        <p:tgtEl>
+                                          <p:spTgt spid="23"/>
+                                        </p:tgtEl>
+                                      </p:cBhvr>
+                                    </p:animEffect>
+                                    <p:set>
+                                      <p:cBhvr>
+                                        <p:cTn id="34" dur="1" fill="hold">
+                                          <p:stCondLst>
+                                            <p:cond delay="499"/>
+                                          </p:stCondLst>
+                                        </p:cTn>
+                                        <p:tgtEl>
+                                          <p:spTgt spid="23"/>
+                                        </p:tgtEl>
+                                        <p:attrNameLst>
+                                          <p:attrName>style.visibility</p:attrName>
+                                        </p:attrNameLst>
+                                      </p:cBhvr>
+                                      <p:to>
+                                        <p:strVal val="hidden"/>
+                                      </p:to>
+                                    </p:set>
+                                  </p:childTnLst>
+                                </p:cTn>
+                              </p:par>
+                              <p:par>
+                                <p:cTn id="35" presetID="10" presetClass="entr" presetSubtype="0" fill="hold" grpId="0" nodeType="withEffect">
+                                  <p:stCondLst>
+                                    <p:cond delay="0"/>
+                                  </p:stCondLst>
+                                  <p:childTnLst>
+                                    <p:set>
+                                      <p:cBhvr>
+                                        <p:cTn id="36" dur="1" fill="hold">
+                                          <p:stCondLst>
+                                            <p:cond delay="0"/>
+                                          </p:stCondLst>
+                                        </p:cTn>
+                                        <p:tgtEl>
+                                          <p:spTgt spid="14"/>
+                                        </p:tgtEl>
+                                        <p:attrNameLst>
+                                          <p:attrName>style.visibility</p:attrName>
+                                        </p:attrNameLst>
+                                      </p:cBhvr>
+                                      <p:to>
+                                        <p:strVal val="visible"/>
+                                      </p:to>
+                                    </p:set>
+                                    <p:animEffect transition="in" filter="fade">
+                                      <p:cBhvr>
+                                        <p:cTn id="37" dur="500"/>
+                                        <p:tgtEl>
                                           <p:spTgt spid="14"/>
                                         </p:tgtEl>
                                       </p:cBhvr>
@@ -7826,14 +7971,14 @@
                                 </p:cTn>
                               </p:par>
                               <p:par>
-                                <p:cTn id="30" presetID="10" presetClass="entr" presetSubtype="0" fill="hold" grpId="0" nodeType="withEffect">
+                                <p:cTn id="38" presetID="10" presetClass="entr" presetSubtype="0" fill="hold" grpId="0" nodeType="withEffect">
                                   <p:stCondLst>
                                     <p:cond delay="0"/>
                                   </p:stCondLst>
                                   <p:childTnLst>
                                     <p:set>
                                       <p:cBhvr>
-                                        <p:cTn id="31" dur="1" fill="hold">
+                                        <p:cTn id="39" dur="1" fill="hold">
                                           <p:stCondLst>
                                             <p:cond delay="0"/>
                                           </p:stCondLst>
@@ -7851,7 +7996,7 @@
                                     </p:set>
                                     <p:animEffect transition="in" filter="fade">
                                       <p:cBhvr>
-                                        <p:cTn id="32" dur="500"/>
+                                        <p:cTn id="40" dur="500"/>
                                         <p:tgtEl>
                                           <p:spTgt spid="13"/>
                                         </p:tgtEl>
@@ -7867,26 +8012,26 @@
                     </p:cTn>
                   </p:par>
                   <p:par>
-                    <p:cTn id="33" fill="hold">
+                    <p:cTn id="41" fill="hold">
                       <p:stCondLst>
                         <p:cond delay="indefinite"/>
                       </p:stCondLst>
                       <p:childTnLst>
                         <p:par>
-                          <p:cTn id="34" fill="hold">
+                          <p:cTn id="42" fill="hold">
                             <p:stCondLst>
                               <p:cond delay="0"/>
                             </p:stCondLst>
                             <p:childTnLst>
                               <p:par>
-                                <p:cTn id="35" presetID="10" presetClass="exit" presetSubtype="0" fill="hold" grpId="1" nodeType="clickEffect">
+                                <p:cTn id="43" presetID="10" presetClass="exit" presetSubtype="0" fill="hold" grpId="1" nodeType="clickEffect">
                                   <p:stCondLst>
                                     <p:cond delay="0"/>
                                   </p:stCondLst>
                                   <p:childTnLst>
                                     <p:animEffect transition="out" filter="fade">
                                       <p:cBhvr>
-                                        <p:cTn id="36" dur="500"/>
+                                        <p:cTn id="44" dur="500"/>
                                         <p:tgtEl>
                                           <p:spTgt spid="14"/>
                                         </p:tgtEl>
@@ -7894,7 +8039,7 @@
                                     </p:animEffect>
                                     <p:set>
                                       <p:cBhvr>
-                                        <p:cTn id="37" dur="1" fill="hold">
+                                        <p:cTn id="45" dur="1" fill="hold">
                                           <p:stCondLst>
                                             <p:cond delay="499"/>
                                           </p:stCondLst>
@@ -7914,95 +8059,7 @@
                                 </p:cTn>
                               </p:par>
                               <p:par>
-                                <p:cTn id="38" presetID="10" presetClass="exit" presetSubtype="0" fill="hold" grpId="1" nodeType="withEffect">
-                                  <p:stCondLst>
-                                    <p:cond delay="0"/>
-                                  </p:stCondLst>
-                                  <p:childTnLst>
-                                    <p:animEffect transition="out" filter="fade">
-                                      <p:cBhvr>
-                                        <p:cTn id="39" dur="500"/>
-                                        <p:tgtEl>
-                                          <p:spTgt spid="13"/>
-                                        </p:tgtEl>
-                                      </p:cBhvr>
-                                    </p:animEffect>
-                                    <p:set>
-                                      <p:cBhvr>
-                                        <p:cTn id="40" dur="1" fill="hold">
-                                          <p:stCondLst>
-                                            <p:cond delay="499"/>
-                                          </p:stCondLst>
-                                        </p:cTn>
-                                        <p:tgtEl>
-                                          <p:spTgt spid="13"/>
-                                        </p:tgtEl>
-                                        <p:attrNameLst>
-                                          <p:attrName>style.visibility</p:attrName>
-                                        </p:attrNameLst>
-                                      </p:cBhvr>
-                                      <p:to>
-                                        <p:strVal val="hidden"/>
-                                      </p:to>
-                                    </p:set>
-                                  </p:childTnLst>
-                                </p:cTn>
-                              </p:par>
-                              <p:par>
-                                <p:cTn id="41" presetID="10" presetClass="entr" presetSubtype="0" fill="hold" grpId="0" nodeType="withEffect">
-                                  <p:stCondLst>
-                                    <p:cond delay="0"/>
-                                  </p:stCondLst>
-                                  <p:childTnLst>
-                                    <p:set>
-                                      <p:cBhvr>
-                                        <p:cTn id="42" dur="1" fill="hold">
-                                          <p:stCondLst>
-                                            <p:cond delay="0"/>
-                                          </p:stCondLst>
-                                        </p:cTn>
-                                        <p:tgtEl>
-                                          <p:spTgt spid="15"/>
-                                        </p:tgtEl>
-                                        <p:attrNameLst>
-                                          <p:attrName>style.visibility</p:attrName>
-                                        </p:attrNameLst>
-                                      </p:cBhvr>
-                                      <p:to>
-                                        <p:strVal val="visible"/>
-                                      </p:to>
-                                    </p:set>
-                                    <p:animEffect transition="in" filter="fade">
-                                      <p:cBhvr>
-                                        <p:cTn id="43" dur="500"/>
-                                        <p:tgtEl>
-                                          <p:spTgt spid="15"/>
-                                        </p:tgtEl>
-                                      </p:cBhvr>
-                                    </p:animEffect>
-                                  </p:childTnLst>
-                                </p:cTn>
-                              </p:par>
-                            </p:childTnLst>
-                          </p:cTn>
-                        </p:par>
-                      </p:childTnLst>
-                    </p:cTn>
-                  </p:par>
-                  <p:par>
-                    <p:cTn id="44" fill="hold">
-                      <p:stCondLst>
-                        <p:cond delay="indefinite"/>
-                      </p:stCondLst>
-                      <p:childTnLst>
-                        <p:par>
-                          <p:cTn id="45" fill="hold">
-                            <p:stCondLst>
-                              <p:cond delay="0"/>
-                            </p:stCondLst>
-                            <p:childTnLst>
-                              <p:par>
-                                <p:cTn id="46" presetID="10" presetClass="exit" presetSubtype="0" fill="hold" grpId="1" nodeType="clickEffect">
+                                <p:cTn id="46" presetID="10" presetClass="exit" presetSubtype="0" fill="hold" grpId="1" nodeType="withEffect">
                                   <p:stCondLst>
                                     <p:cond delay="0"/>
                                   </p:stCondLst>
@@ -8011,7 +8068,7 @@
                                       <p:cBhvr>
                                         <p:cTn id="47" dur="500"/>
                                         <p:tgtEl>
-                                          <p:spTgt spid="15"/>
+                                          <p:spTgt spid="13"/>
                                         </p:tgtEl>
                                       </p:cBhvr>
                                     </p:animEffect>
@@ -8023,7 +8080,7 @@
                                           </p:stCondLst>
                                         </p:cTn>
                                         <p:tgtEl>
-                                          <p:spTgt spid="15"/>
+                                          <p:spTgt spid="13"/>
                                         </p:tgtEl>
                                         <p:attrNameLst>
                                           <p:attrName>style.visibility</p:attrName>
@@ -8050,7 +8107,7 @@
                                           </p:stCondLst>
                                         </p:cTn>
                                         <p:tgtEl>
-                                          <p:spTgt spid="16"/>
+                                          <p:spTgt spid="15"/>
                                         </p:tgtEl>
                                         <p:attrNameLst>
                                           <p:attrName>style.visibility</p:attrName>
@@ -8064,7 +8121,7 @@
                                       <p:cBhvr>
                                         <p:cTn id="51" dur="500"/>
                                         <p:tgtEl>
-                                          <p:spTgt spid="16"/>
+                                          <p:spTgt spid="15"/>
                                         </p:tgtEl>
                                       </p:cBhvr>
                                     </p:animEffect>
@@ -8099,7 +8156,7 @@
                                       <p:cBhvr>
                                         <p:cTn id="55" dur="500"/>
                                         <p:tgtEl>
-                                          <p:spTgt spid="16"/>
+                                          <p:spTgt spid="15"/>
                                         </p:tgtEl>
                                       </p:cBhvr>
                                     </p:animEffect>
@@ -8111,7 +8168,7 @@
                                           </p:stCondLst>
                                         </p:cTn>
                                         <p:tgtEl>
-                                          <p:spTgt spid="16"/>
+                                          <p:spTgt spid="15"/>
                                         </p:tgtEl>
                                         <p:attrNameLst>
                                           <p:attrName>style.visibility</p:attrName>
@@ -8138,7 +8195,7 @@
                                           </p:stCondLst>
                                         </p:cTn>
                                         <p:tgtEl>
-                                          <p:spTgt spid="17"/>
+                                          <p:spTgt spid="16"/>
                                         </p:tgtEl>
                                         <p:attrNameLst>
                                           <p:attrName>style.visibility</p:attrName>
@@ -8152,6 +8209,94 @@
                                       <p:cBhvr>
                                         <p:cTn id="59" dur="500"/>
                                         <p:tgtEl>
+                                          <p:spTgt spid="16"/>
+                                        </p:tgtEl>
+                                      </p:cBhvr>
+                                    </p:animEffect>
+                                  </p:childTnLst>
+                                </p:cTn>
+                              </p:par>
+                            </p:childTnLst>
+                          </p:cTn>
+                        </p:par>
+                      </p:childTnLst>
+                    </p:cTn>
+                  </p:par>
+                  <p:par>
+                    <p:cTn id="60" fill="hold">
+                      <p:stCondLst>
+                        <p:cond delay="indefinite"/>
+                      </p:stCondLst>
+                      <p:childTnLst>
+                        <p:par>
+                          <p:cTn id="61" fill="hold">
+                            <p:stCondLst>
+                              <p:cond delay="0"/>
+                            </p:stCondLst>
+                            <p:childTnLst>
+                              <p:par>
+                                <p:cTn id="62" presetID="10" presetClass="exit" presetSubtype="0" fill="hold" grpId="1" nodeType="clickEffect">
+                                  <p:stCondLst>
+                                    <p:cond delay="0"/>
+                                  </p:stCondLst>
+                                  <p:childTnLst>
+                                    <p:animEffect transition="out" filter="fade">
+                                      <p:cBhvr>
+                                        <p:cTn id="63" dur="500"/>
+                                        <p:tgtEl>
+                                          <p:spTgt spid="16"/>
+                                        </p:tgtEl>
+                                      </p:cBhvr>
+                                    </p:animEffect>
+                                    <p:set>
+                                      <p:cBhvr>
+                                        <p:cTn id="64" dur="1" fill="hold">
+                                          <p:stCondLst>
+                                            <p:cond delay="499"/>
+                                          </p:stCondLst>
+                                        </p:cTn>
+                                        <p:tgtEl>
+                                          <p:spTgt spid="16"/>
+                                        </p:tgtEl>
+                                        <p:attrNameLst>
+                                          <p:attrName>style.visibility</p:attrName>
+                                        </p:attrNameLst>
+                                      </p:cBhvr>
+                                      <p:to>
+                                        <p:strVal val="hidden"/>
+                                      </p:to>
+                                    </p:set>
+                                  </p:childTnLst>
+                                </p:cTn>
+                              </p:par>
+                              <p:par>
+                                <p:cTn id="65" presetID="10" presetClass="entr" presetSubtype="0" fill="hold" grpId="0" nodeType="withEffect">
+                                  <p:stCondLst>
+                                    <p:cond delay="0"/>
+                                  </p:stCondLst>
+                                  <p:childTnLst>
+                                    <p:set>
+                                      <p:cBhvr>
+                                        <p:cTn id="66" dur="1" fill="hold">
+                                          <p:stCondLst>
+                                            <p:cond delay="0"/>
+                                          </p:stCondLst>
+                                        </p:cTn>
+                                        <p:tgtEl>
+                                          <p:spTgt spid="17"/>
+                                        </p:tgtEl>
+                                        <p:attrNameLst>
+                                          <p:attrName>style.visibility</p:attrName>
+                                        </p:attrNameLst>
+                                      </p:cBhvr>
+                                      <p:to>
+                                        <p:strVal val="visible"/>
+                                      </p:to>
+                                    </p:set>
+                                    <p:animEffect transition="in" filter="fade">
+                                      <p:cBhvr>
+                                        <p:cTn id="67" dur="500"/>
+                                        <p:tgtEl>
                                           <p:spTgt spid="17"/>
                                         </p:tgtEl>
                                       </p:cBhvr>
@@ -8160,14 +8305,14 @@
                                 </p:cTn>
                               </p:par>
                               <p:par>
-                                <p:cTn id="60" presetID="10" presetClass="entr" presetSubtype="0" fill="hold" grpId="0" nodeType="withEffect">
+                                <p:cTn id="68" presetID="10" presetClass="entr" presetSubtype="0" fill="hold" grpId="0" nodeType="withEffect">
                                   <p:stCondLst>
                                     <p:cond delay="0"/>
                                   </p:stCondLst>
                                   <p:childTnLst>
                                     <p:set>
                                       <p:cBhvr>
-                                        <p:cTn id="61" dur="1" fill="hold">
+                                        <p:cTn id="69" dur="1" fill="hold">
                                           <p:stCondLst>
                                             <p:cond delay="0"/>
                                           </p:stCondLst>
@@ -8185,7 +8330,7 @@
                                     </p:set>
                                     <p:animEffect transition="in" filter="fade">
                                       <p:cBhvr>
-                                        <p:cTn id="62" dur="500"/>
+                                        <p:cTn id="70" dur="500"/>
                                         <p:tgtEl>
                                           <p:spTgt spid="18"/>
                                         </p:tgtEl>
@@ -8195,14 +8340,14 @@
                                 </p:cTn>
                               </p:par>
                               <p:par>
-                                <p:cTn id="63" presetID="10" presetClass="entr" presetSubtype="0" fill="hold" grpId="0" nodeType="withEffect">
+                                <p:cTn id="71" presetID="10" presetClass="entr" presetSubtype="0" fill="hold" grpId="0" nodeType="withEffect">
                                   <p:stCondLst>
                                     <p:cond delay="0"/>
                                   </p:stCondLst>
                                   <p:childTnLst>
                                     <p:set>
                                       <p:cBhvr>
-                                        <p:cTn id="64" dur="1" fill="hold">
+                                        <p:cTn id="72" dur="1" fill="hold">
                                           <p:stCondLst>
                                             <p:cond delay="0"/>
                                           </p:stCondLst>
@@ -8220,7 +8365,7 @@
                                     </p:set>
                                     <p:animEffect transition="in" filter="fade">
                                       <p:cBhvr>
-                                        <p:cTn id="65" dur="500"/>
+                                        <p:cTn id="73" dur="500"/>
                                         <p:tgtEl>
                                           <p:spTgt spid="19"/>
                                         </p:tgtEl>
@@ -8236,26 +8381,26 @@
                     </p:cTn>
                   </p:par>
                   <p:par>
-                    <p:cTn id="66" fill="hold">
+                    <p:cTn id="74" fill="hold">
                       <p:stCondLst>
                         <p:cond delay="indefinite"/>
                       </p:stCondLst>
                       <p:childTnLst>
                         <p:par>
-                          <p:cTn id="67" fill="hold">
+                          <p:cTn id="75" fill="hold">
                             <p:stCondLst>
                               <p:cond delay="0"/>
                             </p:stCondLst>
                             <p:childTnLst>
                               <p:par>
-                                <p:cTn id="68" presetID="10" presetClass="exit" presetSubtype="0" fill="hold" grpId="1" nodeType="clickEffect">
+                                <p:cTn id="76" presetID="10" presetClass="exit" presetSubtype="0" fill="hold" grpId="1" nodeType="clickEffect">
                                   <p:stCondLst>
                                     <p:cond delay="0"/>
                                   </p:stCondLst>
                                   <p:childTnLst>
                                     <p:animEffect transition="out" filter="fade">
                                       <p:cBhvr>
-                                        <p:cTn id="69" dur="500"/>
+                                        <p:cTn id="77" dur="500"/>
                                         <p:tgtEl>
                                           <p:spTgt spid="18"/>
                                         </p:tgtEl>
@@ -8263,7 +8408,7 @@
                                     </p:animEffect>
                                     <p:set>
                                       <p:cBhvr>
-                                        <p:cTn id="70" dur="1" fill="hold">
+                                        <p:cTn id="78" dur="1" fill="hold">
                                           <p:stCondLst>
                                             <p:cond delay="499"/>
                                           </p:stCondLst>
@@ -8283,14 +8428,14 @@
                                 </p:cTn>
                               </p:par>
                               <p:par>
-                                <p:cTn id="71" presetID="10" presetClass="exit" presetSubtype="0" fill="hold" grpId="1" nodeType="withEffect">
+                                <p:cTn id="79" presetID="10" presetClass="exit" presetSubtype="0" fill="hold" grpId="1" nodeType="withEffect">
                                   <p:stCondLst>
                                     <p:cond delay="0"/>
                                   </p:stCondLst>
                                   <p:childTnLst>
                                     <p:animEffect transition="out" filter="fade">
                                       <p:cBhvr>
-                                        <p:cTn id="72" dur="500"/>
+                                        <p:cTn id="80" dur="500"/>
                                         <p:tgtEl>
                                           <p:spTgt spid="17"/>
                                         </p:tgtEl>
@@ -8298,7 +8443,7 @@
                                     </p:animEffect>
                                     <p:set>
                                       <p:cBhvr>
-                                        <p:cTn id="73" dur="1" fill="hold">
+                                        <p:cTn id="81" dur="1" fill="hold">
                                           <p:stCondLst>
                                             <p:cond delay="499"/>
                                           </p:stCondLst>
@@ -8318,14 +8463,14 @@
                                 </p:cTn>
                               </p:par>
                               <p:par>
-                                <p:cTn id="74" presetID="10" presetClass="exit" presetSubtype="0" fill="hold" grpId="1" nodeType="withEffect">
+                                <p:cTn id="82" presetID="10" presetClass="exit" presetSubtype="0" fill="hold" grpId="1" nodeType="withEffect">
                                   <p:stCondLst>
                                     <p:cond delay="0"/>
                                   </p:stCondLst>
                                   <p:childTnLst>
                                     <p:animEffect transition="out" filter="fade">
                                       <p:cBhvr>
-                                        <p:cTn id="75" dur="500"/>
+                                        <p:cTn id="83" dur="500"/>
                                         <p:tgtEl>
                                           <p:spTgt spid="19"/>
                                         </p:tgtEl>
@@ -8333,7 +8478,7 @@
                                     </p:animEffect>
                                     <p:set>
                                       <p:cBhvr>
-                                        <p:cTn id="76" dur="1" fill="hold">
+                                        <p:cTn id="84" dur="1" fill="hold">
                                           <p:stCondLst>
                                             <p:cond delay="499"/>
                                           </p:stCondLst>
@@ -8353,14 +8498,14 @@
                                 </p:cTn>
                               </p:par>
                               <p:par>
-                                <p:cTn id="77" presetID="10" presetClass="entr" presetSubtype="0" fill="hold" grpId="0" nodeType="withEffect">
+                                <p:cTn id="85" presetID="10" presetClass="entr" presetSubtype="0" fill="hold" grpId="0" nodeType="withEffect">
                                   <p:stCondLst>
                                     <p:cond delay="0"/>
                                   </p:stCondLst>
                                   <p:childTnLst>
                                     <p:set>
                                       <p:cBhvr>
-                                        <p:cTn id="78" dur="1" fill="hold">
+                                        <p:cTn id="86" dur="1" fill="hold">
                                           <p:stCondLst>
                                             <p:cond delay="0"/>
                                           </p:stCondLst>
@@ -8378,7 +8523,7 @@
                                     </p:set>
                                     <p:animEffect transition="in" filter="fade">
                                       <p:cBhvr>
-                                        <p:cTn id="79" dur="500"/>
+                                        <p:cTn id="87" dur="500"/>
                                         <p:tgtEl>
                                           <p:spTgt spid="20"/>
                                         </p:tgtEl>
@@ -8388,14 +8533,14 @@
                                 </p:cTn>
                               </p:par>
                               <p:par>
-                                <p:cTn id="80" presetID="10" presetClass="entr" presetSubtype="0" fill="hold" grpId="0" nodeType="withEffect">
+                                <p:cTn id="88" presetID="10" presetClass="entr" presetSubtype="0" fill="hold" grpId="0" nodeType="withEffect">
                                   <p:stCondLst>
                                     <p:cond delay="0"/>
                                   </p:stCondLst>
                                   <p:childTnLst>
                                     <p:set>
                                       <p:cBhvr>
-                                        <p:cTn id="81" dur="1" fill="hold">
+                                        <p:cTn id="89" dur="1" fill="hold">
                                           <p:stCondLst>
                                             <p:cond delay="0"/>
                                           </p:stCondLst>
@@ -8413,7 +8558,7 @@
                                     </p:set>
                                     <p:animEffect transition="in" filter="fade">
                                       <p:cBhvr>
-                                        <p:cTn id="82" dur="500"/>
+                                        <p:cTn id="90" dur="500"/>
                                         <p:tgtEl>
                                           <p:spTgt spid="21"/>
                                         </p:tgtEl>
@@ -8472,6 +8617,8 @@
       <p:bldP spid="19" grpId="1" animBg="1"/>
       <p:bldP spid="20" grpId="0" animBg="1"/>
       <p:bldP spid="21" grpId="0" animBg="1"/>
+      <p:bldP spid="23" grpId="0" animBg="1"/>
+      <p:bldP spid="23" grpId="1" animBg="1"/>
     </p:bldLst>
   </p:timing>
 </p:sld>
@@ -8559,7 +8706,7 @@
         <p:spPr>
           <a:xfrm>
             <a:off x="603089" y="2550745"/>
-            <a:ext cx="8459789" cy="4031873"/>
+            <a:ext cx="8459789" cy="3539430"/>
           </a:xfrm>
           <a:prstGeom prst="rect">
             <a:avLst/>
@@ -8574,15 +8721,7 @@
           <a:p>
             <a:r>
               <a:rPr lang="en-US" sz="3200" dirty="0"/>
-              <a:t>1.) Connect your </a:t>
-            </a:r>
-            <a:r>
-              <a:rPr lang="en-US" sz="3200" dirty="0" err="1"/>
-              <a:t>micro:bits</a:t>
-            </a:r>
-            <a:r>
-              <a:rPr lang="en-US" sz="3200" dirty="0"/>
-              <a:t> to your computer using the mini USB cable</a:t>
+              <a:t>1.) Open up your computer/tablets</a:t>
             </a:r>
           </a:p>
           <a:p>
@@ -8746,7 +8885,7 @@
                   </a:outerShdw>
                 </a:effectLst>
               </a:rPr>
-              <a:t>Pick a project</a:t>
+              <a:t>Projects</a:t>
             </a:r>
           </a:p>
         </p:txBody>
@@ -8760,7 +8899,7 @@
         <p:spPr>
           <a:xfrm>
             <a:off x="612456" y="1497197"/>
-            <a:ext cx="8459789" cy="3539430"/>
+            <a:ext cx="8459789" cy="5016758"/>
           </a:xfrm>
           <a:prstGeom prst="rect">
             <a:avLst/>
@@ -8794,7 +8933,25 @@
           <a:p>
             <a:r>
               <a:rPr lang="en-US" sz="3200" dirty="0"/>
-              <a:t>2.) TBD</a:t>
+              <a:t>2.) </a:t>
+            </a:r>
+            <a:r>
+              <a:rPr lang="en-US" sz="3200" dirty="0" err="1"/>
+              <a:t>Micro:Bop</a:t>
+            </a:r>
+            <a:r>
+              <a:rPr lang="en-US" sz="3200" dirty="0"/>
+              <a:t> It!</a:t>
+            </a:r>
+          </a:p>
+          <a:p>
+            <a:pPr marL="457200" indent="-457200">
+              <a:buFont typeface="Arial" panose="020B0604020202020204" pitchFamily="34" charset="0"/>
+              <a:buChar char="•"/>
+            </a:pPr>
+            <a:r>
+              <a:rPr lang="en-US" sz="3200" dirty="0"/>
+              <a:t>Make a reaction game similar to bop-it</a:t>
             </a:r>
           </a:p>
           <a:p>
@@ -8803,7 +8960,17 @@
           <a:p>
             <a:r>
               <a:rPr lang="en-US" sz="3200" dirty="0"/>
-              <a:t>3.) TBD	</a:t>
+              <a:t>3.) Spirit Level</a:t>
+            </a:r>
+          </a:p>
+          <a:p>
+            <a:pPr marL="457200" indent="-457200">
+              <a:buFont typeface="Arial" panose="020B0604020202020204" pitchFamily="34" charset="0"/>
+              <a:buChar char="•"/>
+            </a:pPr>
+            <a:r>
+              <a:rPr lang="en-US" sz="3200" dirty="0"/>
+              <a:t>Make a level to indicate whether a surface is level or horizontal	</a:t>
             </a:r>
           </a:p>
         </p:txBody>

--- a/micro-bit-workshop.pptx
+++ b/micro-bit-workshop.pptx
@@ -205,7 +205,7 @@
           <a:p>
             <a:fld id="{7765F29E-FC16-4FA8-9E6F-2AB205AC0281}" type="datetimeFigureOut">
               <a:rPr lang="en-US" smtClean="0"/>
-              <a:t>2/8/2018</a:t>
+              <a:t>3/14/18</a:t>
             </a:fld>
             <a:endParaRPr lang="en-US"/>
           </a:p>
@@ -1897,7 +1897,7 @@
           <a:p>
             <a:fld id="{A8844AD2-AD36-43B5-BCE1-34B56CA3CB43}" type="datetimeFigureOut">
               <a:rPr lang="en-US" smtClean="0"/>
-              <a:t>2/8/2018</a:t>
+              <a:t>3/14/18</a:t>
             </a:fld>
             <a:endParaRPr lang="en-US"/>
           </a:p>
@@ -2065,7 +2065,7 @@
           <a:p>
             <a:fld id="{A8844AD2-AD36-43B5-BCE1-34B56CA3CB43}" type="datetimeFigureOut">
               <a:rPr lang="en-US" smtClean="0"/>
-              <a:t>2/8/2018</a:t>
+              <a:t>3/14/18</a:t>
             </a:fld>
             <a:endParaRPr lang="en-US"/>
           </a:p>
@@ -2243,7 +2243,7 @@
           <a:p>
             <a:fld id="{A8844AD2-AD36-43B5-BCE1-34B56CA3CB43}" type="datetimeFigureOut">
               <a:rPr lang="en-US" smtClean="0"/>
-              <a:t>2/8/2018</a:t>
+              <a:t>3/14/18</a:t>
             </a:fld>
             <a:endParaRPr lang="en-US"/>
           </a:p>
@@ -2644,7 +2644,7 @@
           <a:p>
             <a:fld id="{A8844AD2-AD36-43B5-BCE1-34B56CA3CB43}" type="datetimeFigureOut">
               <a:rPr lang="en-US" smtClean="0"/>
-              <a:t>2/8/2018</a:t>
+              <a:t>3/14/18</a:t>
             </a:fld>
             <a:endParaRPr lang="en-US"/>
           </a:p>
@@ -2889,7 +2889,7 @@
           <a:p>
             <a:fld id="{A8844AD2-AD36-43B5-BCE1-34B56CA3CB43}" type="datetimeFigureOut">
               <a:rPr lang="en-US" smtClean="0"/>
-              <a:t>2/8/2018</a:t>
+              <a:t>3/14/18</a:t>
             </a:fld>
             <a:endParaRPr lang="en-US"/>
           </a:p>
@@ -3118,7 +3118,7 @@
           <a:p>
             <a:fld id="{A8844AD2-AD36-43B5-BCE1-34B56CA3CB43}" type="datetimeFigureOut">
               <a:rPr lang="en-US" smtClean="0"/>
-              <a:t>2/8/2018</a:t>
+              <a:t>3/14/18</a:t>
             </a:fld>
             <a:endParaRPr lang="en-US"/>
           </a:p>
@@ -3482,7 +3482,7 @@
           <a:p>
             <a:fld id="{A8844AD2-AD36-43B5-BCE1-34B56CA3CB43}" type="datetimeFigureOut">
               <a:rPr lang="en-US" smtClean="0"/>
-              <a:t>2/8/2018</a:t>
+              <a:t>3/14/18</a:t>
             </a:fld>
             <a:endParaRPr lang="en-US"/>
           </a:p>
@@ -3599,7 +3599,7 @@
           <a:p>
             <a:fld id="{A8844AD2-AD36-43B5-BCE1-34B56CA3CB43}" type="datetimeFigureOut">
               <a:rPr lang="en-US" smtClean="0"/>
-              <a:t>2/8/2018</a:t>
+              <a:t>3/14/18</a:t>
             </a:fld>
             <a:endParaRPr lang="en-US"/>
           </a:p>
@@ -3694,7 +3694,7 @@
           <a:p>
             <a:fld id="{A8844AD2-AD36-43B5-BCE1-34B56CA3CB43}" type="datetimeFigureOut">
               <a:rPr lang="en-US" smtClean="0"/>
-              <a:t>2/8/2018</a:t>
+              <a:t>3/14/18</a:t>
             </a:fld>
             <a:endParaRPr lang="en-US"/>
           </a:p>
@@ -3969,7 +3969,7 @@
           <a:p>
             <a:fld id="{A8844AD2-AD36-43B5-BCE1-34B56CA3CB43}" type="datetimeFigureOut">
               <a:rPr lang="en-US" smtClean="0"/>
-              <a:t>2/8/2018</a:t>
+              <a:t>3/14/18</a:t>
             </a:fld>
             <a:endParaRPr lang="en-US"/>
           </a:p>
@@ -4221,7 +4221,7 @@
           <a:p>
             <a:fld id="{A8844AD2-AD36-43B5-BCE1-34B56CA3CB43}" type="datetimeFigureOut">
               <a:rPr lang="en-US" smtClean="0"/>
-              <a:t>2/8/2018</a:t>
+              <a:t>3/14/18</a:t>
             </a:fld>
             <a:endParaRPr lang="en-US"/>
           </a:p>
@@ -4432,7 +4432,7 @@
           <a:p>
             <a:fld id="{A8844AD2-AD36-43B5-BCE1-34B56CA3CB43}" type="datetimeFigureOut">
               <a:rPr lang="en-US" smtClean="0"/>
-              <a:t>2/8/2018</a:t>
+              <a:t>3/14/18</a:t>
             </a:fld>
             <a:endParaRPr lang="en-US"/>
           </a:p>
@@ -8706,7 +8706,7 @@
         <p:spPr>
           <a:xfrm>
             <a:off x="603089" y="2550745"/>
-            <a:ext cx="8459789" cy="3539430"/>
+            <a:ext cx="8459789" cy="4031873"/>
           </a:xfrm>
           <a:prstGeom prst="rect">
             <a:avLst/>
@@ -8733,9 +8733,19 @@
               <a:t>2.) Open a browser, and navigate to </a:t>
             </a:r>
             <a:r>
-              <a:rPr lang="en-US" sz="3200" b="1" dirty="0"/>
-              <a:t>microbit.org</a:t>
-            </a:r>
+              <a:rPr lang="en-US" sz="3200" dirty="0" err="1">
+                <a:solidFill>
+                  <a:srgbClr val="FF0000"/>
+                </a:solidFill>
+                <a:hlinkClick r:id="rId3"/>
+              </a:rPr>
+              <a:t>makecode.microbit.org</a:t>
+            </a:r>
+            <a:endParaRPr lang="en-US" sz="3200" dirty="0">
+              <a:solidFill>
+                <a:srgbClr val="FF0000"/>
+              </a:solidFill>
+            </a:endParaRPr>
           </a:p>
           <a:p>
             <a:endParaRPr lang="en-US" sz="3200" b="1" dirty="0"/>
@@ -8777,7 +8787,7 @@
           <p:nvPr/>
         </p:nvPicPr>
         <p:blipFill>
-          <a:blip r:embed="rId3"/>
+          <a:blip r:embed="rId4"/>
           <a:stretch>
             <a:fillRect/>
           </a:stretch>
@@ -8876,17 +8886,20 @@
           </a:lstStyle>
           <a:p>
             <a:r>
-              <a:rPr lang="en-US" sz="6600" dirty="0">
-                <a:effectLst>
-                  <a:outerShdw blurRad="50800" dist="38100" dir="10800000" algn="r" rotWithShape="0">
-                    <a:prstClr val="black">
-                      <a:alpha val="40000"/>
-                    </a:prstClr>
-                  </a:outerShdw>
-                </a:effectLst>
-              </a:rPr>
-              <a:t>Projects</a:t>
-            </a:r>
+              <a:rPr lang="en-US" sz="6600" dirty="0"/>
+              <a:t>Rock-Paper-Scissors</a:t>
+            </a:r>
+          </a:p>
+          <a:p>
+            <a:endParaRPr lang="en-US" sz="6600" dirty="0">
+              <a:effectLst>
+                <a:outerShdw blurRad="50800" dist="38100" dir="10800000" algn="r" rotWithShape="0">
+                  <a:prstClr val="black">
+                    <a:alpha val="40000"/>
+                  </a:prstClr>
+                </a:outerShdw>
+              </a:effectLst>
+            </a:endParaRPr>
           </a:p>
         </p:txBody>
       </p:sp>
@@ -8899,7 +8912,7 @@
         <p:spPr>
           <a:xfrm>
             <a:off x="612456" y="1497197"/>
-            <a:ext cx="8459789" cy="5016758"/>
+            <a:ext cx="4619111" cy="2062103"/>
           </a:xfrm>
           <a:prstGeom prst="rect">
             <a:avLst/>
@@ -8912,12 +8925,6 @@
           </a:bodyPr>
           <a:lstStyle/>
           <a:p>
-            <a:r>
-              <a:rPr lang="en-US" sz="3200" dirty="0"/>
-              <a:t>1.) Rock-Paper-Scissors</a:t>
-            </a:r>
-          </a:p>
-          <a:p>
             <a:pPr marL="457200" indent="-457200">
               <a:buFont typeface="Arial" panose="020B0604020202020204" pitchFamily="34" charset="0"/>
               <a:buChar char="•"/>
@@ -8927,54 +8934,44 @@
               <a:t>Build the classic rock-paper-scissors game to play against your friends</a:t>
             </a:r>
           </a:p>
-          <a:p>
-            <a:endParaRPr lang="en-US" sz="3200" dirty="0"/>
-          </a:p>
-          <a:p>
-            <a:r>
-              <a:rPr lang="en-US" sz="3200" dirty="0"/>
-              <a:t>2.) </a:t>
-            </a:r>
-            <a:r>
-              <a:rPr lang="en-US" sz="3200" dirty="0" err="1"/>
-              <a:t>Micro:Bop</a:t>
-            </a:r>
-            <a:r>
-              <a:rPr lang="en-US" sz="3200" dirty="0"/>
-              <a:t> It!</a:t>
-            </a:r>
-          </a:p>
-          <a:p>
-            <a:pPr marL="457200" indent="-457200">
-              <a:buFont typeface="Arial" panose="020B0604020202020204" pitchFamily="34" charset="0"/>
-              <a:buChar char="•"/>
-            </a:pPr>
-            <a:r>
-              <a:rPr lang="en-US" sz="3200" dirty="0"/>
-              <a:t>Make a reaction game similar to bop-it</a:t>
-            </a:r>
-          </a:p>
-          <a:p>
-            <a:endParaRPr lang="en-US" sz="3200" dirty="0"/>
-          </a:p>
-          <a:p>
-            <a:r>
-              <a:rPr lang="en-US" sz="3200" dirty="0"/>
-              <a:t>3.) Spirit Level</a:t>
-            </a:r>
-          </a:p>
-          <a:p>
-            <a:pPr marL="457200" indent="-457200">
-              <a:buFont typeface="Arial" panose="020B0604020202020204" pitchFamily="34" charset="0"/>
-              <a:buChar char="•"/>
-            </a:pPr>
-            <a:r>
-              <a:rPr lang="en-US" sz="3200" dirty="0"/>
-              <a:t>Make a level to indicate whether a surface is level or horizontal	</a:t>
-            </a:r>
-          </a:p>
-        </p:txBody>
-      </p:sp>
+        </p:txBody>
+      </p:sp>
+      <p:pic>
+        <p:nvPicPr>
+          <p:cNvPr id="4" name="Picture 3">
+            <a:extLst>
+              <a:ext uri="{FF2B5EF4-FFF2-40B4-BE49-F238E27FC236}">
+                <a16:creationId xmlns:a16="http://schemas.microsoft.com/office/drawing/2014/main" id="{1DC3DCC0-8B39-DC48-AE5B-8846C6A5DBAB}"/>
+              </a:ext>
+            </a:extLst>
+          </p:cNvPr>
+          <p:cNvPicPr>
+            <a:picLocks noChangeAspect="1"/>
+          </p:cNvPicPr>
+          <p:nvPr/>
+        </p:nvPicPr>
+        <p:blipFill>
+          <a:blip r:embed="rId3">
+            <a:extLst>
+              <a:ext uri="{28A0092B-C50C-407E-A947-70E740481C1C}">
+                <a14:useLocalDpi xmlns:a14="http://schemas.microsoft.com/office/drawing/2010/main" val="0"/>
+              </a:ext>
+            </a:extLst>
+          </a:blip>
+          <a:stretch>
+            <a:fillRect/>
+          </a:stretch>
+        </p:blipFill>
+        <p:spPr>
+          <a:xfrm>
+            <a:off x="5394585" y="1497197"/>
+            <a:ext cx="6222791" cy="5159066"/>
+          </a:xfrm>
+          <a:prstGeom prst="rect">
+            <a:avLst/>
+          </a:prstGeom>
+        </p:spPr>
+      </p:pic>
     </p:spTree>
     <p:extLst>
       <p:ext uri="{BB962C8B-B14F-4D97-AF65-F5344CB8AC3E}">
